--- a/Time-Card/ДОКУМЕНТЫ/ТИПОГРАФИЯ/PNT НА ОСНОВЕ 5G и ТВ.pptx
+++ b/Time-Card/ДОКУМЕНТЫ/ТИПОГРАФИЯ/PNT НА ОСНОВЕ 5G и ТВ.pptx
@@ -15,10 +15,9 @@
     <p:sldId id="263" r:id="rId9"/>
     <p:sldId id="264" r:id="rId10"/>
     <p:sldId id="265" r:id="rId11"/>
-    <p:sldId id="266" r:id="rId12"/>
-    <p:sldId id="267" r:id="rId13"/>
-    <p:sldId id="268" r:id="rId14"/>
-    <p:sldId id="269" r:id="rId15"/>
+    <p:sldId id="267" r:id="rId12"/>
+    <p:sldId id="268" r:id="rId13"/>
+    <p:sldId id="269" r:id="rId14"/>
   </p:sldIdLst>
   <p:sldSz cx="12192000" cy="6858000"/>
   <p:notesSz cx="6858000" cy="9144000"/>
@@ -117,6 +116,11 @@
       </a:defRPr>
     </a:lvl9pPr>
   </p:defaultTextStyle>
+  <p:extLst>
+    <p:ext uri="{EFAFB233-063F-42B5-8137-9DF3F51BA10A}">
+      <p15:sldGuideLst xmlns:p15="http://schemas.microsoft.com/office/powerpoint/2012/main"/>
+    </p:ext>
+  </p:extLst>
 </p:presentation>
 </file>
 
@@ -267,7 +271,7 @@
           <a:p>
             <a:fld id="{045F49BD-7779-4B1F-A490-9BF52E6E1588}" type="datetimeFigureOut">
               <a:rPr lang="ru-RU" smtClean="0"/>
-              <a:t>26.03.2024</a:t>
+              <a:t>22.04.2024</a:t>
             </a:fld>
             <a:endParaRPr lang="ru-RU"/>
           </a:p>
@@ -465,7 +469,7 @@
           <a:p>
             <a:fld id="{045F49BD-7779-4B1F-A490-9BF52E6E1588}" type="datetimeFigureOut">
               <a:rPr lang="ru-RU" smtClean="0"/>
-              <a:t>26.03.2024</a:t>
+              <a:t>22.04.2024</a:t>
             </a:fld>
             <a:endParaRPr lang="ru-RU"/>
           </a:p>
@@ -673,7 +677,7 @@
           <a:p>
             <a:fld id="{045F49BD-7779-4B1F-A490-9BF52E6E1588}" type="datetimeFigureOut">
               <a:rPr lang="ru-RU" smtClean="0"/>
-              <a:t>26.03.2024</a:t>
+              <a:t>22.04.2024</a:t>
             </a:fld>
             <a:endParaRPr lang="ru-RU"/>
           </a:p>
@@ -871,7 +875,7 @@
           <a:p>
             <a:fld id="{045F49BD-7779-4B1F-A490-9BF52E6E1588}" type="datetimeFigureOut">
               <a:rPr lang="ru-RU" smtClean="0"/>
-              <a:t>26.03.2024</a:t>
+              <a:t>22.04.2024</a:t>
             </a:fld>
             <a:endParaRPr lang="ru-RU"/>
           </a:p>
@@ -1146,7 +1150,7 @@
           <a:p>
             <a:fld id="{045F49BD-7779-4B1F-A490-9BF52E6E1588}" type="datetimeFigureOut">
               <a:rPr lang="ru-RU" smtClean="0"/>
-              <a:t>26.03.2024</a:t>
+              <a:t>22.04.2024</a:t>
             </a:fld>
             <a:endParaRPr lang="ru-RU"/>
           </a:p>
@@ -1411,7 +1415,7 @@
           <a:p>
             <a:fld id="{045F49BD-7779-4B1F-A490-9BF52E6E1588}" type="datetimeFigureOut">
               <a:rPr lang="ru-RU" smtClean="0"/>
-              <a:t>26.03.2024</a:t>
+              <a:t>22.04.2024</a:t>
             </a:fld>
             <a:endParaRPr lang="ru-RU"/>
           </a:p>
@@ -1823,7 +1827,7 @@
           <a:p>
             <a:fld id="{045F49BD-7779-4B1F-A490-9BF52E6E1588}" type="datetimeFigureOut">
               <a:rPr lang="ru-RU" smtClean="0"/>
-              <a:t>26.03.2024</a:t>
+              <a:t>22.04.2024</a:t>
             </a:fld>
             <a:endParaRPr lang="ru-RU"/>
           </a:p>
@@ -1964,7 +1968,7 @@
           <a:p>
             <a:fld id="{045F49BD-7779-4B1F-A490-9BF52E6E1588}" type="datetimeFigureOut">
               <a:rPr lang="ru-RU" smtClean="0"/>
-              <a:t>26.03.2024</a:t>
+              <a:t>22.04.2024</a:t>
             </a:fld>
             <a:endParaRPr lang="ru-RU"/>
           </a:p>
@@ -2077,7 +2081,7 @@
           <a:p>
             <a:fld id="{045F49BD-7779-4B1F-A490-9BF52E6E1588}" type="datetimeFigureOut">
               <a:rPr lang="ru-RU" smtClean="0"/>
-              <a:t>26.03.2024</a:t>
+              <a:t>22.04.2024</a:t>
             </a:fld>
             <a:endParaRPr lang="ru-RU"/>
           </a:p>
@@ -2388,7 +2392,7 @@
           <a:p>
             <a:fld id="{045F49BD-7779-4B1F-A490-9BF52E6E1588}" type="datetimeFigureOut">
               <a:rPr lang="ru-RU" smtClean="0"/>
-              <a:t>26.03.2024</a:t>
+              <a:t>22.04.2024</a:t>
             </a:fld>
             <a:endParaRPr lang="ru-RU"/>
           </a:p>
@@ -2676,7 +2680,7 @@
           <a:p>
             <a:fld id="{045F49BD-7779-4B1F-A490-9BF52E6E1588}" type="datetimeFigureOut">
               <a:rPr lang="ru-RU" smtClean="0"/>
-              <a:t>26.03.2024</a:t>
+              <a:t>22.04.2024</a:t>
             </a:fld>
             <a:endParaRPr lang="ru-RU"/>
           </a:p>
@@ -2917,7 +2921,7 @@
           <a:p>
             <a:fld id="{045F49BD-7779-4B1F-A490-9BF52E6E1588}" type="datetimeFigureOut">
               <a:rPr lang="ru-RU" smtClean="0"/>
-              <a:t>26.03.2024</a:t>
+              <a:t>22.04.2024</a:t>
             </a:fld>
             <a:endParaRPr lang="ru-RU"/>
           </a:p>
@@ -3476,7 +3480,7 @@
             </a:pPr>
             <a:r>
               <a:rPr lang="ru-RU" dirty="0"/>
-              <a:t>► Указано в 3</a:t>
+              <a:t>► Указано в стандарте 3</a:t>
             </a:r>
             <a:r>
               <a:rPr lang="en-US" dirty="0"/>
@@ -3707,281 +3711,6 @@
         </p:nvSpPr>
         <p:spPr>
           <a:xfrm>
-            <a:off x="587188" y="251338"/>
-            <a:ext cx="10515600" cy="1325563"/>
-          </a:xfrm>
-        </p:spPr>
-        <p:txBody>
-          <a:bodyPr/>
-          <a:lstStyle/>
-          <a:p>
-            <a:pPr algn="ctr"/>
-            <a:r>
-              <a:rPr lang="ru-RU" dirty="0"/>
-              <a:t>КАК ПОЛУЧИТЬ ТОЧНОЕ ВРЕМЯ UTC ОТ LTE/FEMBMS</a:t>
-            </a:r>
-          </a:p>
-        </p:txBody>
-      </p:sp>
-      <p:sp>
-        <p:nvSpPr>
-          <p:cNvPr id="5" name="Объект 4">
-            <a:extLst>
-              <a:ext uri="{FF2B5EF4-FFF2-40B4-BE49-F238E27FC236}">
-                <a16:creationId xmlns:a16="http://schemas.microsoft.com/office/drawing/2014/main" id="{88573314-CAFF-4025-BD59-46775F11CE0D}"/>
-              </a:ext>
-            </a:extLst>
-          </p:cNvPr>
-          <p:cNvSpPr>
-            <a:spLocks noGrp="1"/>
-          </p:cNvSpPr>
-          <p:nvPr>
-            <p:ph idx="1"/>
-          </p:nvPr>
-        </p:nvSpPr>
-        <p:spPr/>
-        <p:txBody>
-          <a:bodyPr>
-            <a:normAutofit fontScale="85000" lnSpcReduction="20000"/>
-          </a:bodyPr>
-          <a:lstStyle/>
-          <a:p>
-            <a:pPr marL="0" indent="0" algn="just">
-              <a:buNone/>
-            </a:pPr>
-            <a:r>
-              <a:rPr lang="ru-RU" dirty="0"/>
-              <a:t>► Указано в 3</a:t>
-            </a:r>
-            <a:r>
-              <a:rPr lang="en-US" dirty="0"/>
-              <a:t>GPP 36.311. </a:t>
-            </a:r>
-            <a:endParaRPr lang="ru-RU" dirty="0"/>
-          </a:p>
-          <a:p>
-            <a:pPr marL="0" indent="0" algn="just">
-              <a:buNone/>
-            </a:pPr>
-            <a:r>
-              <a:rPr lang="en-US" dirty="0"/>
-              <a:t>► SystemInformationBlockType16 (</a:t>
-            </a:r>
-            <a:r>
-              <a:rPr lang="ru-RU" dirty="0"/>
-              <a:t>упрощенный) </a:t>
-            </a:r>
-          </a:p>
-          <a:p>
-            <a:pPr marL="0" indent="0" algn="just">
-              <a:buNone/>
-            </a:pPr>
-            <a:r>
-              <a:rPr lang="en-US" dirty="0"/>
-              <a:t>− </a:t>
-            </a:r>
-            <a:r>
-              <a:rPr lang="en-US" dirty="0" err="1"/>
-              <a:t>timeInfo</a:t>
-            </a:r>
-            <a:endParaRPr lang="en-US" dirty="0"/>
-          </a:p>
-          <a:p>
-            <a:pPr marL="0" indent="0" algn="just">
-              <a:buNone/>
-            </a:pPr>
-            <a:r>
-              <a:rPr lang="en-US" dirty="0"/>
-              <a:t>− </a:t>
-            </a:r>
-            <a:r>
-              <a:rPr lang="en-US" dirty="0" err="1"/>
-              <a:t>timeInfoUTC</a:t>
-            </a:r>
-            <a:r>
-              <a:rPr lang="en-US" dirty="0"/>
-              <a:t> INTEGER (0..549755813887),</a:t>
-            </a:r>
-          </a:p>
-          <a:p>
-            <a:pPr marL="0" indent="0" algn="just">
-              <a:buNone/>
-            </a:pPr>
-            <a:r>
-              <a:rPr lang="en-US" dirty="0"/>
-              <a:t>− </a:t>
-            </a:r>
-            <a:r>
-              <a:rPr lang="en-US" dirty="0" err="1"/>
-              <a:t>dayLightSavingTime</a:t>
-            </a:r>
-            <a:r>
-              <a:rPr lang="en-US" dirty="0"/>
-              <a:t> BIT STRING (SIZE (2))</a:t>
-            </a:r>
-          </a:p>
-          <a:p>
-            <a:pPr marL="0" indent="0" algn="just">
-              <a:buNone/>
-            </a:pPr>
-            <a:r>
-              <a:rPr lang="en-US" dirty="0"/>
-              <a:t>− </a:t>
-            </a:r>
-            <a:r>
-              <a:rPr lang="en-US" dirty="0" err="1"/>
-              <a:t>leapSeconds</a:t>
-            </a:r>
-            <a:r>
-              <a:rPr lang="en-US" dirty="0"/>
-              <a:t> INTEGER (-127..128)</a:t>
-            </a:r>
-          </a:p>
-          <a:p>
-            <a:pPr marL="0" indent="0" algn="just">
-              <a:buNone/>
-            </a:pPr>
-            <a:r>
-              <a:rPr lang="en-US" dirty="0"/>
-              <a:t>− </a:t>
-            </a:r>
-            <a:r>
-              <a:rPr lang="en-US" dirty="0" err="1"/>
-              <a:t>localTimeOffset</a:t>
-            </a:r>
-            <a:r>
-              <a:rPr lang="en-US" dirty="0"/>
-              <a:t> INTEGER (-63..64)</a:t>
-            </a:r>
-            <a:r>
-              <a:rPr lang="ru-RU" dirty="0"/>
-              <a:t> </a:t>
-            </a:r>
-          </a:p>
-          <a:p>
-            <a:pPr marL="0" indent="0" algn="just">
-              <a:buNone/>
-            </a:pPr>
-            <a:r>
-              <a:rPr lang="ru-RU" dirty="0"/>
-              <a:t>► «</a:t>
-            </a:r>
-            <a:r>
-              <a:rPr lang="en-US" dirty="0" err="1"/>
-              <a:t>timeInfoUTC</a:t>
-            </a:r>
-            <a:r>
-              <a:rPr lang="en-US" dirty="0"/>
-              <a:t>: </a:t>
-            </a:r>
-            <a:r>
-              <a:rPr lang="ru-RU" dirty="0"/>
-              <a:t>Всемирное координированное время, соответствующее границе </a:t>
-            </a:r>
-            <a:r>
-              <a:rPr lang="en-US" dirty="0"/>
-              <a:t>SFN (…). </a:t>
-            </a:r>
-            <a:r>
-              <a:rPr lang="ru-RU" dirty="0"/>
-              <a:t>В поле подсчитывается количество секунд </a:t>
-            </a:r>
-            <a:r>
-              <a:rPr lang="en-US" dirty="0"/>
-              <a:t>UTC </a:t>
-            </a:r>
-            <a:r>
-              <a:rPr lang="ru-RU" dirty="0"/>
-              <a:t>с шагом 10 </a:t>
-            </a:r>
-            <a:r>
-              <a:rPr lang="ru-RU" dirty="0" err="1"/>
-              <a:t>мс</a:t>
-            </a:r>
-            <a:r>
-              <a:rPr lang="ru-RU" dirty="0"/>
-              <a:t> с 00:00:00 даты григорианского календаря 1 января 1900 года (…). </a:t>
-            </a:r>
-            <a:r>
-              <a:rPr lang="ru-RU" i="1" dirty="0"/>
-              <a:t>ПРИМЕЧАНИЕ </a:t>
-            </a:r>
-            <a:r>
-              <a:rPr lang="en-US" i="1" dirty="0"/>
-              <a:t>UE </a:t>
-            </a:r>
-            <a:r>
-              <a:rPr lang="ru-RU" i="1" dirty="0"/>
-              <a:t>может использовать это поле вместе с полем </a:t>
-            </a:r>
-            <a:r>
-              <a:rPr lang="en-US" i="1" dirty="0" err="1"/>
-              <a:t>jumpSeconds</a:t>
-            </a:r>
-            <a:r>
-              <a:rPr lang="en-US" i="1" dirty="0"/>
-              <a:t> </a:t>
-            </a:r>
-            <a:r>
-              <a:rPr lang="ru-RU" i="1" dirty="0"/>
-              <a:t>для получения времени </a:t>
-            </a:r>
-            <a:r>
-              <a:rPr lang="en-US" i="1" dirty="0"/>
-              <a:t>GPS».</a:t>
-            </a:r>
-            <a:endParaRPr lang="ru-RU" sz="2800" i="1" dirty="0"/>
-          </a:p>
-        </p:txBody>
-      </p:sp>
-    </p:spTree>
-    <p:extLst>
-      <p:ext uri="{BB962C8B-B14F-4D97-AF65-F5344CB8AC3E}">
-        <p14:creationId xmlns:p14="http://schemas.microsoft.com/office/powerpoint/2010/main" val="258423799"/>
-      </p:ext>
-    </p:extLst>
-  </p:cSld>
-  <p:clrMapOvr>
-    <a:masterClrMapping/>
-  </p:clrMapOvr>
-</p:sld>
-</file>
-
-<file path=ppt/slides/slide12.xml><?xml version="1.0" encoding="utf-8"?>
-<p:sld xmlns:a="http://schemas.openxmlformats.org/drawingml/2006/main" xmlns:r="http://schemas.openxmlformats.org/officeDocument/2006/relationships" xmlns:p="http://schemas.openxmlformats.org/presentationml/2006/main">
-  <p:cSld>
-    <p:spTree>
-      <p:nvGrpSpPr>
-        <p:cNvPr id="1" name=""/>
-        <p:cNvGrpSpPr/>
-        <p:nvPr/>
-      </p:nvGrpSpPr>
-      <p:grpSpPr>
-        <a:xfrm>
-          <a:off x="0" y="0"/>
-          <a:ext cx="0" cy="0"/>
-          <a:chOff x="0" y="0"/>
-          <a:chExt cx="0" cy="0"/>
-        </a:xfrm>
-      </p:grpSpPr>
-      <p:sp>
-        <p:nvSpPr>
-          <p:cNvPr id="2" name="Заголовок 1">
-            <a:extLst>
-              <a:ext uri="{FF2B5EF4-FFF2-40B4-BE49-F238E27FC236}">
-                <a16:creationId xmlns:a16="http://schemas.microsoft.com/office/drawing/2014/main" id="{FB5EAFAF-C543-4AA1-A53F-50C94DC9488B}"/>
-              </a:ext>
-            </a:extLst>
-          </p:cNvPr>
-          <p:cNvSpPr>
-            <a:spLocks noGrp="1"/>
-          </p:cNvSpPr>
-          <p:nvPr>
-            <p:ph type="title"/>
-          </p:nvPr>
-        </p:nvSpPr>
-        <p:spPr>
-          <a:xfrm>
             <a:off x="927847" y="87686"/>
             <a:ext cx="10515600" cy="1325563"/>
           </a:xfrm>
@@ -3993,7 +3722,7 @@
             <a:pPr algn="ctr"/>
             <a:r>
               <a:rPr lang="ru-RU" dirty="0"/>
-              <a:t>ЧТО МЫ МОЖЕМ</a:t>
+              <a:t>ЧТО МЫ ПРЕДЛАГАЕМ</a:t>
             </a:r>
           </a:p>
         </p:txBody>
@@ -4016,7 +3745,7 @@
         </p:nvSpPr>
         <p:spPr>
           <a:xfrm>
-            <a:off x="838200" y="1413249"/>
+            <a:off x="856130" y="1735979"/>
             <a:ext cx="8485094" cy="4351338"/>
           </a:xfrm>
         </p:spPr>
@@ -4049,7 +3778,7 @@
             </a:pPr>
             <a:r>
               <a:rPr lang="ru-RU" dirty="0"/>
-              <a:t>− ~Точность TDOA 10 </a:t>
+              <a:t>− Точность TDOA ~10 </a:t>
             </a:r>
             <a:r>
               <a:rPr lang="ru-RU" dirty="0" err="1"/>
@@ -4083,17 +3812,12 @@
             </a:pPr>
             <a:r>
               <a:rPr lang="ru-RU" dirty="0"/>
-              <a:t>► Получатель B: Приемник SDR с открытым исходным кодом на основе  разработки </a:t>
+              <a:t>► Получатель B: Приемник SDR на основе  разработки </a:t>
             </a:r>
             <a:r>
               <a:rPr lang="en-US" dirty="0"/>
-              <a:t>SHIWA-</a:t>
-            </a:r>
-            <a:r>
-              <a:rPr lang="ru-RU" dirty="0"/>
-              <a:t>SDR </a:t>
-            </a:r>
-            <a:endParaRPr lang="en-US" dirty="0"/>
+              <a:t>SHIWA</a:t>
+            </a:r>
           </a:p>
         </p:txBody>
       </p:sp>
@@ -4146,7 +3870,7 @@
 </p:sld>
 </file>
 
-<file path=ppt/slides/slide13.xml><?xml version="1.0" encoding="utf-8"?>
+<file path=ppt/slides/slide12.xml><?xml version="1.0" encoding="utf-8"?>
 <p:sld xmlns:a="http://schemas.openxmlformats.org/drawingml/2006/main" xmlns:r="http://schemas.openxmlformats.org/officeDocument/2006/relationships" xmlns:p="http://schemas.openxmlformats.org/presentationml/2006/main">
   <p:cSld>
     <p:spTree>
@@ -4249,7 +3973,7 @@
 </p:sld>
 </file>
 
-<file path=ppt/slides/slide14.xml><?xml version="1.0" encoding="utf-8"?>
+<file path=ppt/slides/slide13.xml><?xml version="1.0" encoding="utf-8"?>
 <p:sld xmlns:a="http://schemas.openxmlformats.org/drawingml/2006/main" xmlns:r="http://schemas.openxmlformats.org/officeDocument/2006/relationships" xmlns:p="http://schemas.openxmlformats.org/presentationml/2006/main">
   <p:cSld>
     <p:spTree>
@@ -4644,14 +4368,14 @@
         </p:spPr>
         <p:txBody>
           <a:bodyPr>
-            <a:normAutofit fontScale="85000" lnSpcReduction="20000"/>
+            <a:normAutofit fontScale="92500" lnSpcReduction="10000"/>
           </a:bodyPr>
           <a:lstStyle/>
           <a:p>
             <a:pPr algn="l"/>
             <a:r>
               <a:rPr lang="ru-RU" dirty="0"/>
-              <a:t>► Характеристики ГНСС:</a:t>
+              <a:t>► ГНСС:</a:t>
             </a:r>
             <a:endParaRPr lang="en-US" dirty="0"/>
           </a:p>
@@ -4679,7 +4403,15 @@
             <a:pPr algn="l"/>
             <a:r>
               <a:rPr lang="ru-RU" dirty="0"/>
-              <a:t>► Длинные волны (ДВ), DCF77 в Европе, WWVB в США, JJY в Японии…</a:t>
+              <a:t>► Длинные волны (ДВ),</a:t>
+            </a:r>
+            <a:r>
+              <a:rPr lang="en-US" dirty="0"/>
+              <a:t> </a:t>
+            </a:r>
+            <a:r>
+              <a:rPr lang="ru-RU" dirty="0"/>
+              <a:t>РСДБН, DCF77 в Европе, WWVB в США, JJY в Японии…</a:t>
             </a:r>
           </a:p>
           <a:p>
@@ -4761,13 +4493,6 @@
             <a:r>
               <a:rPr lang="ru-RU" dirty="0"/>
               <a:t> до 1,5 мкс.</a:t>
-            </a:r>
-          </a:p>
-          <a:p>
-            <a:pPr algn="l"/>
-            <a:r>
-              <a:rPr lang="ru-RU" dirty="0"/>
-              <a:t>* ) Трансляция UTC не является обязательной. Трудно гарантировать работу более 10 000 базовых станций</a:t>
             </a:r>
           </a:p>
           <a:p>
@@ -4836,7 +4561,7 @@
           <a:p>
             <a:r>
               <a:rPr lang="ru-RU" dirty="0"/>
-              <a:t>В ИСПОЛЬЗУЕТЕ ТЕЛЕВИЗИОНЫ КАК ИСТОЧНИК ВРЕМЕНИ? ТЕЛЕВИЗИОННЫЙ  СИГНАЛ КАК ИСТОЧНИК ВРЕМЕНИ?</a:t>
+              <a:t>ТЕЛЕВИЗИОННЫЙ  СИГНАЛ КАК ИСТОЧНИК ВРЕМЕНИ?</a:t>
             </a:r>
           </a:p>
         </p:txBody>
@@ -4943,7 +4668,7 @@
             <a:pPr algn="l"/>
             <a:r>
               <a:rPr lang="ru-RU" dirty="0"/>
-              <a:t>► Дешевые направленные антенны – сложно заглушить &lt; 50 $</a:t>
+              <a:t>► Дешевые направленные антенны – сложно заглушить стоимость &lt; 50 $</a:t>
             </a:r>
             <a:endParaRPr lang="en-US" dirty="0"/>
           </a:p>
@@ -5072,15 +4797,7 @@
             </a:r>
             <a:r>
               <a:rPr lang="ru-RU" dirty="0"/>
-              <a:t>формироваться </a:t>
-            </a:r>
-            <a:r>
-              <a:rPr lang="ru-RU" dirty="0" err="1"/>
-              <a:t>мяметку</a:t>
-            </a:r>
-            <a:r>
-              <a:rPr lang="ru-RU" dirty="0"/>
-              <a:t> времени UTC нижнего слоя. </a:t>
+              <a:t>формироваться метка времени UTC нижнего слоя. </a:t>
             </a:r>
           </a:p>
           <a:p>
@@ -5326,7 +5043,7 @@
             <a:pPr algn="ctr"/>
             <a:r>
               <a:rPr lang="ru-RU" dirty="0"/>
-              <a:t>КАК НА СЧЕТ </a:t>
+              <a:t>КАК НА СЧЕТ СТАНДАРТА </a:t>
             </a:r>
             <a:r>
               <a:rPr lang="en-US" dirty="0"/>
@@ -5360,7 +5077,7 @@
         </p:spPr>
         <p:txBody>
           <a:bodyPr>
-            <a:normAutofit fontScale="92500"/>
+            <a:normAutofit/>
           </a:bodyPr>
           <a:lstStyle/>
           <a:p>
@@ -5382,14 +5099,7 @@
             <a:pPr algn="just"/>
             <a:r>
               <a:rPr lang="ru-RU" dirty="0"/>
-              <a:t>− Стандарт 3GPP (органа по стандартизации, который подарил нам 4G и 5G) </a:t>
-            </a:r>
-          </a:p>
-          <a:p>
-            <a:pPr algn="just"/>
-            <a:r>
-              <a:rPr lang="ru-RU" dirty="0"/>
-              <a:t>− По сути этот LTE-сигнал предлагает функции синхронизации и позиционирования из «набора инструментов» 3GPP − например, временная метка UTC, которую обычные телефоны смогут прочитать. </a:t>
+              <a:t>− Стандарт 3GPP (органа по стандартизации, который подарил нам 4G и 5G). По сути этот LTE-сигнал предлагает функции синхронизации и позиционирования из «набора инструментов» 3GPP − например, временная метка UTC, которую обычные телефоны смогут прочитать. </a:t>
             </a:r>
           </a:p>
           <a:p>
@@ -5411,7 +5121,7 @@
             </a:r>
             <a:r>
               <a:rPr lang="ru-RU" dirty="0"/>
-              <a:t> уже сегодня</a:t>
+              <a:t> уже сегодня.</a:t>
             </a:r>
           </a:p>
         </p:txBody>
@@ -5512,7 +5222,7 @@
             <p:ph idx="1"/>
             <p:extLst>
               <p:ext uri="{D42A27DB-BD31-4B8C-83A1-F6EECF244321}">
-                <p14:modId xmlns:p14="http://schemas.microsoft.com/office/powerpoint/2010/main" val="441745821"/>
+                <p14:modId xmlns:p14="http://schemas.microsoft.com/office/powerpoint/2010/main" val="3269438970"/>
               </p:ext>
             </p:extLst>
           </p:nvPr>
@@ -5566,6 +5276,7 @@
                     <a:bodyPr/>
                     <a:lstStyle/>
                     <a:p>
+                      <a:pPr algn="ctr"/>
                       <a:r>
                         <a:rPr lang="en-US" dirty="0"/>
                         <a:t>LTE</a:t>
@@ -5580,6 +5291,7 @@
                     <a:bodyPr/>
                     <a:lstStyle/>
                     <a:p>
+                      <a:pPr algn="ctr"/>
                       <a:r>
                         <a:rPr lang="en-US" dirty="0"/>
                         <a:t>FE</a:t>
@@ -5626,6 +5338,7 @@
                     <a:bodyPr/>
                     <a:lstStyle/>
                     <a:p>
+                      <a:pPr algn="ctr"/>
                       <a:r>
                         <a:rPr lang="ru-RU" dirty="0"/>
                         <a:t>Да </a:t>
@@ -5639,6 +5352,7 @@
                     <a:bodyPr/>
                     <a:lstStyle/>
                     <a:p>
+                      <a:pPr algn="ctr"/>
                       <a:r>
                         <a:rPr lang="ru-RU" dirty="0"/>
                         <a:t>Нет</a:t>
@@ -5677,6 +5391,7 @@
                     <a:bodyPr/>
                     <a:lstStyle/>
                     <a:p>
+                      <a:pPr algn="ctr"/>
                       <a:r>
                         <a:rPr lang="ru-RU" dirty="0"/>
                         <a:t>15 кГц</a:t>
@@ -5690,6 +5405,7 @@
                     <a:bodyPr/>
                     <a:lstStyle/>
                     <a:p>
+                      <a:pPr algn="ctr"/>
                       <a:r>
                         <a:rPr lang="ru-RU" dirty="0"/>
                         <a:t>15 кГц, 2,5 кГц, 1,25 кГц или 0,625 кГц</a:t>
@@ -5723,6 +5439,7 @@
                     <a:bodyPr/>
                     <a:lstStyle/>
                     <a:p>
+                      <a:pPr algn="ctr"/>
                       <a:r>
                         <a:rPr lang="ru-RU" dirty="0"/>
                         <a:t>16,67 мкс</a:t>
@@ -5736,6 +5453,7 @@
                     <a:bodyPr/>
                     <a:lstStyle/>
                     <a:p>
+                      <a:pPr algn="ctr"/>
                       <a:r>
                         <a:rPr lang="ru-RU" dirty="0"/>
                         <a:t>400 мкс, 800 мкс, 1600 мкс </a:t>
@@ -5774,6 +5492,7 @@
                     <a:bodyPr/>
                     <a:lstStyle/>
                     <a:p>
+                      <a:pPr algn="ctr"/>
                       <a:r>
                         <a:rPr lang="en-US" dirty="0"/>
                         <a:t>SIB16</a:t>
@@ -5819,7 +5538,7 @@
                     <a:bodyPr/>
                     <a:lstStyle/>
                     <a:p>
-                      <a:pPr marL="0" marR="0" lvl="0" indent="0" algn="l" defTabSz="914400" rtl="0" eaLnBrk="1" fontAlgn="auto" latinLnBrk="0" hangingPunct="1">
+                      <a:pPr marL="0" marR="0" lvl="0" indent="0" algn="ctr" defTabSz="914400" rtl="0" eaLnBrk="1" fontAlgn="auto" latinLnBrk="0" hangingPunct="1">
                         <a:lnSpc>
                           <a:spcPct val="100000"/>
                         </a:lnSpc>
@@ -5901,6 +5620,7 @@
                     <a:bodyPr/>
                     <a:lstStyle/>
                     <a:p>
+                      <a:pPr algn="ctr"/>
                       <a:r>
                         <a:rPr lang="ru-RU" dirty="0"/>
                         <a:t>Стандартно</a:t>
@@ -5914,6 +5634,7 @@
                     <a:bodyPr/>
                     <a:lstStyle/>
                     <a:p>
+                      <a:pPr algn="ctr"/>
                       <a:r>
                         <a:rPr lang="ru-RU" dirty="0"/>
                         <a:t>Возможно расширение</a:t>
@@ -5947,6 +5668,7 @@
                     <a:bodyPr/>
                     <a:lstStyle/>
                     <a:p>
+                      <a:pPr algn="ctr"/>
                       <a:r>
                         <a:rPr lang="ru-RU" dirty="0"/>
                         <a:t>Сотовая сеть</a:t>
@@ -5960,6 +5682,7 @@
                     <a:bodyPr/>
                     <a:lstStyle/>
                     <a:p>
+                      <a:pPr algn="ctr"/>
                       <a:r>
                         <a:rPr lang="ru-RU" dirty="0"/>
                         <a:t>Радиовещательные башни</a:t>
